--- a/Learning Phase/Week 5/Day 2/1. ReactJS/Slides/4. Application Structure/structuring-the-application-slides.pptx
+++ b/Learning Phase/Week 5/Day 2/1. ReactJS/Slides/4. Application Structure/structuring-the-application-slides.pptx
@@ -5,18 +5,18 @@
     <p:sldMasterId id="2147483648" r:id="rId1"/>
   </p:sldMasterIdLst>
   <p:notesMasterIdLst>
-    <p:notesMasterId r:id="rId12"/>
+    <p:notesMasterId r:id="rId11"/>
   </p:notesMasterIdLst>
   <p:sldIdLst>
-    <p:sldId id="256" r:id="rId3"/>
-    <p:sldId id="257" r:id="rId4"/>
-    <p:sldId id="262" r:id="rId5"/>
-    <p:sldId id="263" r:id="rId6"/>
-    <p:sldId id="265" r:id="rId7"/>
-    <p:sldId id="258" r:id="rId8"/>
-    <p:sldId id="259" r:id="rId9"/>
-    <p:sldId id="260" r:id="rId10"/>
-    <p:sldId id="261" r:id="rId11"/>
+    <p:sldId id="256" r:id="rId2"/>
+    <p:sldId id="257" r:id="rId3"/>
+    <p:sldId id="262" r:id="rId4"/>
+    <p:sldId id="263" r:id="rId5"/>
+    <p:sldId id="265" r:id="rId6"/>
+    <p:sldId id="258" r:id="rId7"/>
+    <p:sldId id="259" r:id="rId8"/>
+    <p:sldId id="260" r:id="rId9"/>
+    <p:sldId id="261" r:id="rId10"/>
   </p:sldIdLst>
   <p:sldSz cx="12192000" cy="6858000"/>
   <p:notesSz cx="12192000" cy="6858000"/>
@@ -112,6 +112,22 @@
       </a:defRPr>
     </a:lvl9pPr>
   </p:defaultTextStyle>
+  <p:extLst>
+    <p:ext uri="{EFAFB233-063F-42B5-8137-9DF3F51BA10A}">
+      <p15:sldGuideLst xmlns:p15="http://schemas.microsoft.com/office/powerpoint/2012/main">
+        <p15:guide id="1" orient="horz" pos="2880">
+          <p15:clr>
+            <a:srgbClr val="A4A3A4"/>
+          </p15:clr>
+        </p15:guide>
+        <p15:guide id="2" pos="2160">
+          <p15:clr>
+            <a:srgbClr val="A4A3A4"/>
+          </p15:clr>
+        </p15:guide>
+      </p15:sldGuideLst>
+    </p:ext>
+  </p:extLst>
 </p:presentation>
 </file>
 
@@ -197,6 +213,7 @@
           <a:p>
             <a:fld id="{3EFD42F7-718C-4B98-AAEC-167E6DDD60A7}" type="datetimeFigureOut">
               <a:rPr lang="en-US" smtClean="0"/>
+              <a:t>11/10/2023</a:t>
             </a:fld>
             <a:endParaRPr lang="en-US"/>
           </a:p>
@@ -260,42 +277,37 @@
           <a:p>
             <a:pPr lvl="0"/>
             <a:r>
-              <a:rPr lang="en-US" smtClean="0"/>
+              <a:rPr lang="en-US"/>
               <a:t>Click to edit Master text styles</a:t>
             </a:r>
-            <a:endParaRPr lang="en-US" smtClean="0"/>
           </a:p>
           <a:p>
             <a:pPr lvl="1"/>
             <a:r>
-              <a:rPr lang="en-US" smtClean="0"/>
+              <a:rPr lang="en-US"/>
               <a:t>Second level</a:t>
             </a:r>
-            <a:endParaRPr lang="en-US" smtClean="0"/>
           </a:p>
           <a:p>
             <a:pPr lvl="2"/>
             <a:r>
-              <a:rPr lang="en-US" smtClean="0"/>
+              <a:rPr lang="en-US"/>
               <a:t>Third level</a:t>
             </a:r>
-            <a:endParaRPr lang="en-US" smtClean="0"/>
           </a:p>
           <a:p>
             <a:pPr lvl="3"/>
             <a:r>
-              <a:rPr lang="en-US" smtClean="0"/>
+              <a:rPr lang="en-US"/>
               <a:t>Fourth level</a:t>
             </a:r>
-            <a:endParaRPr lang="en-US" smtClean="0"/>
           </a:p>
           <a:p>
             <a:pPr lvl="4"/>
             <a:r>
-              <a:rPr lang="en-US" smtClean="0"/>
+              <a:rPr lang="en-US"/>
               <a:t>Fifth level</a:t>
             </a:r>
-            <a:endParaRPr lang="en-US"/>
           </a:p>
         </p:txBody>
       </p:sp>
@@ -359,6 +371,7 @@
           <a:p>
             <a:fld id="{21B2AA4F-B828-4D7C-AFD3-893933DAFCB4}" type="slidenum">
               <a:rPr lang="en-US" smtClean="0"/>
+              <a:t>‹#›</a:t>
             </a:fld>
             <a:endParaRPr lang="en-US"/>
           </a:p>
@@ -507,7 +520,9 @@
               <a:defRPr/>
             </a:lvl1pPr>
           </a:lstStyle>
-          <a:p/>
+          <a:p>
+            <a:endParaRPr/>
+          </a:p>
         </p:txBody>
       </p:sp>
       <p:sp>
@@ -538,7 +553,9 @@
               <a:defRPr/>
             </a:lvl1pPr>
           </a:lstStyle>
-          <a:p/>
+          <a:p>
+            <a:endParaRPr/>
+          </a:p>
         </p:txBody>
       </p:sp>
       <p:sp>
@@ -565,7 +582,9 @@
               </a:defRPr>
             </a:lvl1pPr>
           </a:lstStyle>
-          <a:p/>
+          <a:p>
+            <a:endParaRPr/>
+          </a:p>
         </p:txBody>
       </p:sp>
       <p:sp>
@@ -595,6 +614,7 @@
           <a:p>
             <a:fld id="{1D8BD707-D9CF-40AE-B4C6-C98DA3205C09}" type="datetimeFigureOut">
               <a:rPr lang="en-US"/>
+              <a:t>11/10/2023</a:t>
             </a:fld>
             <a:endParaRPr lang="en-US"/>
           </a:p>
@@ -627,6 +647,7 @@
           <a:p>
             <a:fld id="{B6F15528-21DE-4FAA-801E-634DDDAF4B2B}" type="slidenum">
               <a:rPr/>
+              <a:t>‹#›</a:t>
             </a:fld>
             <a:endParaRPr/>
           </a:p>
@@ -682,7 +703,9 @@
               </a:defRPr>
             </a:lvl1pPr>
           </a:lstStyle>
-          <a:p/>
+          <a:p>
+            <a:endParaRPr/>
+          </a:p>
         </p:txBody>
       </p:sp>
       <p:sp>
@@ -703,7 +726,9 @@
               <a:defRPr/>
             </a:lvl1pPr>
           </a:lstStyle>
-          <a:p/>
+          <a:p>
+            <a:endParaRPr/>
+          </a:p>
         </p:txBody>
       </p:sp>
       <p:sp>
@@ -730,7 +755,9 @@
               </a:defRPr>
             </a:lvl1pPr>
           </a:lstStyle>
-          <a:p/>
+          <a:p>
+            <a:endParaRPr/>
+          </a:p>
         </p:txBody>
       </p:sp>
       <p:sp>
@@ -760,6 +787,7 @@
           <a:p>
             <a:fld id="{1D8BD707-D9CF-40AE-B4C6-C98DA3205C09}" type="datetimeFigureOut">
               <a:rPr lang="en-US"/>
+              <a:t>11/10/2023</a:t>
             </a:fld>
             <a:endParaRPr lang="en-US"/>
           </a:p>
@@ -792,6 +820,7 @@
           <a:p>
             <a:fld id="{B6F15528-21DE-4FAA-801E-634DDDAF4B2B}" type="slidenum">
               <a:rPr/>
+              <a:t>‹#›</a:t>
             </a:fld>
             <a:endParaRPr/>
           </a:p>
@@ -847,7 +876,9 @@
               </a:defRPr>
             </a:lvl1pPr>
           </a:lstStyle>
-          <a:p/>
+          <a:p>
+            <a:endParaRPr/>
+          </a:p>
         </p:txBody>
       </p:sp>
       <p:sp>
@@ -878,7 +909,9 @@
               <a:defRPr/>
             </a:lvl1pPr>
           </a:lstStyle>
-          <a:p/>
+          <a:p>
+            <a:endParaRPr/>
+          </a:p>
         </p:txBody>
       </p:sp>
       <p:sp>
@@ -909,7 +942,9 @@
               <a:defRPr/>
             </a:lvl1pPr>
           </a:lstStyle>
-          <a:p/>
+          <a:p>
+            <a:endParaRPr/>
+          </a:p>
         </p:txBody>
       </p:sp>
       <p:sp>
@@ -936,7 +971,9 @@
               </a:defRPr>
             </a:lvl1pPr>
           </a:lstStyle>
-          <a:p/>
+          <a:p>
+            <a:endParaRPr/>
+          </a:p>
         </p:txBody>
       </p:sp>
       <p:sp>
@@ -966,6 +1003,7 @@
           <a:p>
             <a:fld id="{1D8BD707-D9CF-40AE-B4C6-C98DA3205C09}" type="datetimeFigureOut">
               <a:rPr lang="en-US"/>
+              <a:t>11/10/2023</a:t>
             </a:fld>
             <a:endParaRPr lang="en-US"/>
           </a:p>
@@ -998,6 +1036,7 @@
           <a:p>
             <a:fld id="{B6F15528-21DE-4FAA-801E-634DDDAF4B2B}" type="slidenum">
               <a:rPr/>
+              <a:t>‹#›</a:t>
             </a:fld>
             <a:endParaRPr/>
           </a:p>
@@ -1013,7 +1052,7 @@
 </file>
 
 <file path=ppt/slideLayouts/slideLayout4.xml><?xml version="1.0" encoding="utf-8"?>
-<p:sldLayout xmlns:a="http://schemas.openxmlformats.org/drawingml/2006/main" xmlns:r="http://schemas.openxmlformats.org/officeDocument/2006/relationships" xmlns:p="http://schemas.openxmlformats.org/presentationml/2006/main" type="obj" preserve="1" showMasterSp="0">
+<p:sldLayout xmlns:a="http://schemas.openxmlformats.org/drawingml/2006/main" xmlns:r="http://schemas.openxmlformats.org/officeDocument/2006/relationships" xmlns:p="http://schemas.openxmlformats.org/presentationml/2006/main" showMasterSp="0" type="obj" preserve="1">
   <p:cSld name="Title Only">
     <p:bg>
       <p:bgPr>
@@ -1083,7 +1122,9 @@
               </a:defRPr>
             </a:lvl1pPr>
           </a:lstStyle>
-          <a:p/>
+          <a:p>
+            <a:endParaRPr/>
+          </a:p>
         </p:txBody>
       </p:sp>
       <p:sp>
@@ -1110,7 +1151,9 @@
               </a:defRPr>
             </a:lvl1pPr>
           </a:lstStyle>
-          <a:p/>
+          <a:p>
+            <a:endParaRPr/>
+          </a:p>
         </p:txBody>
       </p:sp>
       <p:sp>
@@ -1140,6 +1183,7 @@
           <a:p>
             <a:fld id="{1D8BD707-D9CF-40AE-B4C6-C98DA3205C09}" type="datetimeFigureOut">
               <a:rPr lang="en-US"/>
+              <a:t>11/10/2023</a:t>
             </a:fld>
             <a:endParaRPr lang="en-US"/>
           </a:p>
@@ -1172,6 +1216,7 @@
           <a:p>
             <a:fld id="{B6F15528-21DE-4FAA-801E-634DDDAF4B2B}" type="slidenum">
               <a:rPr/>
+              <a:t>‹#›</a:t>
             </a:fld>
             <a:endParaRPr/>
           </a:p>
@@ -1227,7 +1272,9 @@
               </a:defRPr>
             </a:lvl1pPr>
           </a:lstStyle>
-          <a:p/>
+          <a:p>
+            <a:endParaRPr/>
+          </a:p>
         </p:txBody>
       </p:sp>
       <p:sp>
@@ -1257,6 +1304,7 @@
           <a:p>
             <a:fld id="{1D8BD707-D9CF-40AE-B4C6-C98DA3205C09}" type="datetimeFigureOut">
               <a:rPr lang="en-US"/>
+              <a:t>11/10/2023</a:t>
             </a:fld>
             <a:endParaRPr lang="en-US"/>
           </a:p>
@@ -1289,6 +1337,7 @@
           <a:p>
             <a:fld id="{B6F15528-21DE-4FAA-801E-634DDDAF4B2B}" type="slidenum">
               <a:rPr/>
+              <a:t>‹#›</a:t>
             </a:fld>
             <a:endParaRPr/>
           </a:p>
@@ -1362,7 +1411,9 @@
               </a:defRPr>
             </a:lvl1pPr>
           </a:lstStyle>
-          <a:p/>
+          <a:p>
+            <a:endParaRPr/>
+          </a:p>
         </p:txBody>
       </p:sp>
       <p:sp>
@@ -1393,7 +1444,9 @@
               <a:defRPr/>
             </a:lvl1pPr>
           </a:lstStyle>
-          <a:p/>
+          <a:p>
+            <a:endParaRPr/>
+          </a:p>
         </p:txBody>
       </p:sp>
       <p:sp>
@@ -1430,7 +1483,9 @@
               </a:defRPr>
             </a:lvl1pPr>
           </a:lstStyle>
-          <a:p/>
+          <a:p>
+            <a:endParaRPr/>
+          </a:p>
         </p:txBody>
       </p:sp>
       <p:sp>
@@ -1470,6 +1525,7 @@
           <a:p>
             <a:fld id="{1D8BD707-D9CF-40AE-B4C6-C98DA3205C09}" type="datetimeFigureOut">
               <a:rPr lang="en-US"/>
+              <a:t>11/10/2023</a:t>
             </a:fld>
             <a:endParaRPr lang="en-US"/>
           </a:p>
@@ -1512,6 +1568,7 @@
           <a:p>
             <a:fld id="{B6F15528-21DE-4FAA-801E-634DDDAF4B2B}" type="slidenum">
               <a:rPr/>
+              <a:t>‹#›</a:t>
             </a:fld>
             <a:endParaRPr/>
           </a:p>
@@ -1696,7 +1753,7 @@
           <p:nvPr/>
         </p:nvPicPr>
         <p:blipFill>
-          <a:blip r:embed="rId1" cstate="print"/>
+          <a:blip r:embed="rId2" cstate="print"/>
           <a:stretch>
             <a:fillRect/>
           </a:stretch>
@@ -1969,9 +2026,11 @@
         <p:spPr/>
         <p:txBody>
           <a:bodyPr/>
+          <a:lstStyle/>
           <a:p>
             <a:fld id="{B6F15528-21DE-4FAA-801E-634DDDAF4B2B}" type="slidenum">
               <a:rPr/>
+              <a:t>1</a:t>
             </a:fld>
             <a:endParaRPr/>
           </a:p>
@@ -2382,9 +2441,11 @@
         <p:spPr/>
         <p:txBody>
           <a:bodyPr/>
+          <a:lstStyle/>
           <a:p>
             <a:fld id="{B6F15528-21DE-4FAA-801E-634DDDAF4B2B}" type="slidenum">
               <a:rPr/>
+              <a:t>2</a:t>
             </a:fld>
             <a:endParaRPr/>
           </a:p>
@@ -2407,7 +2468,14 @@
         <p:cNvGrpSpPr/>
         <p:nvPr/>
       </p:nvGrpSpPr>
-      <p:grpSpPr/>
+      <p:grpSpPr>
+        <a:xfrm>
+          <a:off x="0" y="0"/>
+          <a:ext cx="0" cy="0"/>
+          <a:chOff x="0" y="0"/>
+          <a:chExt cx="0" cy="0"/>
+        </a:xfrm>
+      </p:grpSpPr>
       <p:sp>
         <p:nvSpPr>
           <p:cNvPr id="6" name="Title 5"/>
@@ -2421,6 +2489,7 @@
         <p:spPr/>
         <p:txBody>
           <a:bodyPr/>
+          <a:lstStyle/>
           <a:p>
             <a:endParaRPr lang="en-US"/>
           </a:p>
@@ -2439,9 +2508,11 @@
         <p:spPr/>
         <p:txBody>
           <a:bodyPr/>
+          <a:lstStyle/>
           <a:p>
             <a:fld id="{B6F15528-21DE-4FAA-801E-634DDDAF4B2B}" type="slidenum">
               <a:rPr/>
+              <a:t>3</a:t>
             </a:fld>
             <a:endParaRPr/>
           </a:p>
@@ -2460,6 +2531,7 @@
         <p:spPr/>
         <p:txBody>
           <a:bodyPr/>
+          <a:lstStyle/>
           <a:p>
             <a:endParaRPr lang="en-US"/>
           </a:p>
@@ -2469,14 +2541,14 @@
         <p:nvPicPr>
           <p:cNvPr id="5" name="Content Placeholder 4"/>
           <p:cNvPicPr>
-            <a:picLocks noChangeAspect="1"/>
+            <a:picLocks noGrp="1" noChangeAspect="1"/>
           </p:cNvPicPr>
           <p:nvPr>
             <p:ph sz="half" idx="2"/>
           </p:nvPr>
         </p:nvPicPr>
         <p:blipFill>
-          <a:blip r:embed="rId1"/>
+          <a:blip r:embed="rId2"/>
           <a:stretch>
             <a:fillRect/>
           </a:stretch>
@@ -2508,7 +2580,14 @@
         <p:cNvGrpSpPr/>
         <p:nvPr/>
       </p:nvGrpSpPr>
-      <p:grpSpPr/>
+      <p:grpSpPr>
+        <a:xfrm>
+          <a:off x="0" y="0"/>
+          <a:ext cx="0" cy="0"/>
+          <a:chOff x="0" y="0"/>
+          <a:chExt cx="0" cy="0"/>
+        </a:xfrm>
+      </p:grpSpPr>
       <p:sp>
         <p:nvSpPr>
           <p:cNvPr id="6" name="Title 5"/>
@@ -2522,6 +2601,7 @@
         <p:spPr/>
         <p:txBody>
           <a:bodyPr/>
+          <a:lstStyle/>
           <a:p>
             <a:endParaRPr lang="en-US"/>
           </a:p>
@@ -2540,29 +2620,13 @@
         <p:spPr/>
         <p:txBody>
           <a:bodyPr/>
+          <a:lstStyle/>
           <a:p>
             <a:fld id="{B6F15528-21DE-4FAA-801E-634DDDAF4B2B}" type="slidenum">
               <a:rPr/>
+              <a:t>4</a:t>
             </a:fld>
             <a:endParaRPr/>
-          </a:p>
-        </p:txBody>
-      </p:sp>
-      <p:sp>
-        <p:nvSpPr>
-          <p:cNvPr id="7" name="Content Placeholder 6"/>
-          <p:cNvSpPr>
-            <a:spLocks noGrp="1"/>
-          </p:cNvSpPr>
-          <p:nvPr>
-            <p:ph sz="half" idx="3"/>
-          </p:nvPr>
-        </p:nvSpPr>
-        <p:spPr/>
-        <p:txBody>
-          <a:bodyPr/>
-          <a:p>
-            <a:endParaRPr lang="en-US"/>
           </a:p>
         </p:txBody>
       </p:sp>
@@ -2570,14 +2634,14 @@
         <p:nvPicPr>
           <p:cNvPr id="5" name="Content Placeholder 4"/>
           <p:cNvPicPr>
-            <a:picLocks noChangeAspect="1"/>
+            <a:picLocks noGrp="1" noChangeAspect="1"/>
           </p:cNvPicPr>
           <p:nvPr>
             <p:ph sz="half" idx="2"/>
           </p:nvPr>
         </p:nvPicPr>
         <p:blipFill>
-          <a:blip r:embed="rId1"/>
+          <a:blip r:embed="rId2"/>
           <a:stretch>
             <a:fillRect/>
           </a:stretch>
@@ -2609,7 +2673,14 @@
         <p:cNvGrpSpPr/>
         <p:nvPr/>
       </p:nvGrpSpPr>
-      <p:grpSpPr/>
+      <p:grpSpPr>
+        <a:xfrm>
+          <a:off x="0" y="0"/>
+          <a:ext cx="0" cy="0"/>
+          <a:chOff x="0" y="0"/>
+          <a:chExt cx="0" cy="0"/>
+        </a:xfrm>
+      </p:grpSpPr>
       <p:sp>
         <p:nvSpPr>
           <p:cNvPr id="6" name="Title 5"/>
@@ -2623,6 +2694,7 @@
         <p:spPr/>
         <p:txBody>
           <a:bodyPr/>
+          <a:lstStyle/>
           <a:p>
             <a:endParaRPr lang="en-US"/>
           </a:p>
@@ -2641,9 +2713,11 @@
         <p:spPr/>
         <p:txBody>
           <a:bodyPr/>
+          <a:lstStyle/>
           <a:p>
             <a:fld id="{B6F15528-21DE-4FAA-801E-634DDDAF4B2B}" type="slidenum">
               <a:rPr/>
+              <a:t>5</a:t>
             </a:fld>
             <a:endParaRPr/>
           </a:p>
@@ -2662,6 +2736,7 @@
         <p:spPr/>
         <p:txBody>
           <a:bodyPr/>
+          <a:lstStyle/>
           <a:p>
             <a:endParaRPr lang="en-US"/>
           </a:p>
@@ -2671,14 +2746,14 @@
         <p:nvPicPr>
           <p:cNvPr id="5" name="Content Placeholder 4"/>
           <p:cNvPicPr>
-            <a:picLocks noChangeAspect="1"/>
+            <a:picLocks noGrp="1" noChangeAspect="1"/>
           </p:cNvPicPr>
           <p:nvPr>
             <p:ph sz="half" idx="2"/>
           </p:nvPr>
         </p:nvPicPr>
         <p:blipFill>
-          <a:blip r:embed="rId1"/>
+          <a:blip r:embed="rId2"/>
           <a:stretch>
             <a:fillRect/>
           </a:stretch>
@@ -2856,7 +2931,9 @@
         <p:txBody>
           <a:bodyPr wrap="square" lIns="0" tIns="0" rIns="0" bIns="0" rtlCol="0"/>
           <a:lstStyle/>
-          <a:p/>
+          <a:p>
+            <a:endParaRPr/>
+          </a:p>
         </p:txBody>
       </p:sp>
       <p:sp>
@@ -2938,13 +3015,6 @@
               </a:rPr>
               <a:t>{</a:t>
             </a:r>
-            <a:endParaRPr sz="2000" spc="-300" dirty="0">
-              <a:solidFill>
-                <a:srgbClr val="FFFFFF"/>
-              </a:solidFill>
-              <a:latin typeface="Verdana" panose="020B0604030504040204"/>
-              <a:cs typeface="Verdana" panose="020B0604030504040204"/>
-            </a:endParaRPr>
           </a:p>
           <a:p>
             <a:pPr marL="165100" marR="97790" indent="-152400">
@@ -3143,7 +3213,9 @@
         <p:txBody>
           <a:bodyPr wrap="square" lIns="0" tIns="0" rIns="0" bIns="0" rtlCol="0"/>
           <a:lstStyle/>
-          <a:p/>
+          <a:p>
+            <a:endParaRPr/>
+          </a:p>
         </p:txBody>
       </p:sp>
       <p:sp>
@@ -3368,7 +3440,9 @@
         <p:txBody>
           <a:bodyPr wrap="square" lIns="0" tIns="0" rIns="0" bIns="0" rtlCol="0"/>
           <a:lstStyle/>
-          <a:p/>
+          <a:p>
+            <a:endParaRPr/>
+          </a:p>
         </p:txBody>
       </p:sp>
       <p:sp>
@@ -3476,9 +3550,11 @@
         <p:spPr/>
         <p:txBody>
           <a:bodyPr/>
+          <a:lstStyle/>
           <a:p>
             <a:fld id="{B6F15528-21DE-4FAA-801E-634DDDAF4B2B}" type="slidenum">
               <a:rPr/>
+              <a:t>6</a:t>
             </a:fld>
             <a:endParaRPr/>
           </a:p>
@@ -3647,7 +3723,9 @@
         <p:txBody>
           <a:bodyPr wrap="square" lIns="0" tIns="0" rIns="0" bIns="0" rtlCol="0"/>
           <a:lstStyle/>
-          <a:p/>
+          <a:p>
+            <a:endParaRPr/>
+          </a:p>
         </p:txBody>
       </p:sp>
       <p:sp>
@@ -3739,13 +3817,6 @@
               </a:rPr>
               <a:t> </a:t>
             </a:r>
-            <a:endParaRPr sz="2000" spc="-690" dirty="0">
-              <a:solidFill>
-                <a:srgbClr val="FFFFFF"/>
-              </a:solidFill>
-              <a:latin typeface="Verdana" panose="020B0604030504040204"/>
-              <a:cs typeface="Verdana" panose="020B0604030504040204"/>
-            </a:endParaRPr>
           </a:p>
           <a:p>
             <a:pPr marL="165100" marR="1073150" indent="-152400">
@@ -3803,13 +3874,6 @@
               </a:rPr>
               <a:t>{</a:t>
             </a:r>
-            <a:endParaRPr sz="2000" spc="-300" dirty="0">
-              <a:solidFill>
-                <a:srgbClr val="FFFFFF"/>
-              </a:solidFill>
-              <a:latin typeface="Verdana" panose="020B0604030504040204"/>
-              <a:cs typeface="Verdana" panose="020B0604030504040204"/>
-            </a:endParaRPr>
           </a:p>
           <a:p>
             <a:pPr marL="165100" marR="1073150" indent="-152400">
@@ -3841,13 +3905,6 @@
               </a:rPr>
               <a:t>}</a:t>
             </a:r>
-            <a:endParaRPr sz="2000" spc="-300" dirty="0">
-              <a:solidFill>
-                <a:srgbClr val="FFFFFF"/>
-              </a:solidFill>
-              <a:latin typeface="Verdana" panose="020B0604030504040204"/>
-              <a:cs typeface="Verdana" panose="020B0604030504040204"/>
-            </a:endParaRPr>
           </a:p>
           <a:p>
             <a:pPr marL="165100">
@@ -4009,7 +4066,9 @@
         <p:txBody>
           <a:bodyPr wrap="square" lIns="0" tIns="0" rIns="0" bIns="0" rtlCol="0"/>
           <a:lstStyle/>
-          <a:p/>
+          <a:p>
+            <a:endParaRPr/>
+          </a:p>
         </p:txBody>
       </p:sp>
       <p:sp>
@@ -4192,7 +4251,9 @@
         <p:txBody>
           <a:bodyPr wrap="square" lIns="0" tIns="0" rIns="0" bIns="0" rtlCol="0"/>
           <a:lstStyle/>
-          <a:p/>
+          <a:p>
+            <a:endParaRPr/>
+          </a:p>
         </p:txBody>
       </p:sp>
       <p:sp>
@@ -4300,9 +4361,11 @@
         <p:spPr/>
         <p:txBody>
           <a:bodyPr/>
+          <a:lstStyle/>
           <a:p>
             <a:fld id="{B6F15528-21DE-4FAA-801E-634DDDAF4B2B}" type="slidenum">
               <a:rPr/>
+              <a:t>7</a:t>
             </a:fld>
             <a:endParaRPr/>
           </a:p>
@@ -4471,7 +4534,9 @@
         <p:txBody>
           <a:bodyPr wrap="square" lIns="0" tIns="0" rIns="0" bIns="0" rtlCol="0"/>
           <a:lstStyle/>
-          <a:p/>
+          <a:p>
+            <a:endParaRPr/>
+          </a:p>
         </p:txBody>
       </p:sp>
       <p:sp>
@@ -4593,7 +4658,7 @@
               </a:rPr>
               <a:t>{</a:t>
             </a:r>
-            <a:endParaRPr sz="2000">
+            <a:endParaRPr sz="2000" dirty="0">
               <a:latin typeface="Verdana" panose="020B0604030504040204"/>
               <a:cs typeface="Verdana" panose="020B0604030504040204"/>
             </a:endParaRPr>
@@ -4614,7 +4679,7 @@
               </a:rPr>
               <a:t>}</a:t>
             </a:r>
-            <a:endParaRPr sz="2000">
+            <a:endParaRPr sz="2000" dirty="0">
               <a:latin typeface="Verdana" panose="020B0604030504040204"/>
               <a:cs typeface="Verdana" panose="020B0604030504040204"/>
             </a:endParaRPr>
@@ -4635,7 +4700,7 @@
               </a:rPr>
               <a:t>}</a:t>
             </a:r>
-            <a:endParaRPr sz="2000">
+            <a:endParaRPr sz="2000" dirty="0">
               <a:latin typeface="Verdana" panose="020B0604030504040204"/>
               <a:cs typeface="Verdana" panose="020B0604030504040204"/>
             </a:endParaRPr>
@@ -4779,7 +4844,7 @@
               </a:rPr>
               <a:t>;</a:t>
             </a:r>
-            <a:endParaRPr sz="2000">
+            <a:endParaRPr sz="2000" dirty="0">
               <a:latin typeface="Verdana" panose="020B0604030504040204"/>
               <a:cs typeface="Verdana" panose="020B0604030504040204"/>
             </a:endParaRPr>
@@ -4860,7 +4925,7 @@
               </a:rPr>
               <a:t>x;</a:t>
             </a:r>
-            <a:endParaRPr sz="2000">
+            <a:endParaRPr sz="2000" dirty="0">
               <a:latin typeface="Verdana" panose="020B0604030504040204"/>
               <a:cs typeface="Verdana" panose="020B0604030504040204"/>
             </a:endParaRPr>
@@ -4912,7 +4977,9 @@
         <p:txBody>
           <a:bodyPr wrap="square" lIns="0" tIns="0" rIns="0" bIns="0" rtlCol="0"/>
           <a:lstStyle/>
-          <a:p/>
+          <a:p>
+            <a:endParaRPr/>
+          </a:p>
         </p:txBody>
       </p:sp>
       <p:sp>
@@ -5274,7 +5341,7 @@
               </a:rPr>
               <a:t>;</a:t>
             </a:r>
-            <a:endParaRPr sz="2000">
+            <a:endParaRPr sz="2000" dirty="0">
               <a:latin typeface="Verdana" panose="020B0604030504040204"/>
               <a:cs typeface="Verdana" panose="020B0604030504040204"/>
             </a:endParaRPr>
@@ -5288,7 +5355,7 @@
                 <a:spcPts val="10"/>
               </a:spcBef>
             </a:pPr>
-            <a:endParaRPr sz="2950">
+            <a:endParaRPr sz="2950" dirty="0">
               <a:latin typeface="Verdana" panose="020B0604030504040204"/>
               <a:cs typeface="Verdana" panose="020B0604030504040204"/>
             </a:endParaRPr>
@@ -5332,7 +5399,7 @@
               </a:rPr>
               <a:t>console.log(x);</a:t>
             </a:r>
-            <a:endParaRPr sz="2000">
+            <a:endParaRPr sz="2000" dirty="0">
               <a:latin typeface="Verdana" panose="020B0604030504040204"/>
               <a:cs typeface="Verdana" panose="020B0604030504040204"/>
             </a:endParaRPr>
@@ -5393,7 +5460,9 @@
         <p:txBody>
           <a:bodyPr wrap="square" lIns="0" tIns="0" rIns="0" bIns="0" rtlCol="0"/>
           <a:lstStyle/>
-          <a:p/>
+          <a:p>
+            <a:endParaRPr/>
+          </a:p>
         </p:txBody>
       </p:sp>
       <p:sp>
@@ -5501,9 +5570,11 @@
         <p:spPr/>
         <p:txBody>
           <a:bodyPr/>
+          <a:lstStyle/>
           <a:p>
             <a:fld id="{B6F15528-21DE-4FAA-801E-634DDDAF4B2B}" type="slidenum">
               <a:rPr/>
+              <a:t>8</a:t>
             </a:fld>
             <a:endParaRPr/>
           </a:p>
@@ -5541,7 +5612,7 @@
           <p:nvPr/>
         </p:nvPicPr>
         <p:blipFill>
-          <a:blip r:embed="rId1" cstate="print"/>
+          <a:blip r:embed="rId2" cstate="print"/>
           <a:stretch>
             <a:fillRect/>
           </a:stretch>
@@ -5605,7 +5676,6 @@
               <a:rPr spc="-10" dirty="0"/>
               <a:t>structure</a:t>
             </a:r>
-            <a:endParaRPr spc="-10" dirty="0"/>
           </a:p>
           <a:p>
             <a:pPr marL="1305560">
@@ -5628,7 +5698,6 @@
               <a:rPr spc="40" dirty="0"/>
               <a:t>folder</a:t>
             </a:r>
-            <a:endParaRPr spc="40" dirty="0"/>
           </a:p>
         </p:txBody>
       </p:sp>
@@ -5989,9 +6058,11 @@
         <p:spPr/>
         <p:txBody>
           <a:bodyPr/>
+          <a:lstStyle/>
           <a:p>
             <a:fld id="{B6F15528-21DE-4FAA-801E-634DDDAF4B2B}" type="slidenum">
               <a:rPr/>
+              <a:t>9</a:t>
             </a:fld>
             <a:endParaRPr/>
           </a:p>
@@ -6283,6 +6354,8 @@
       </a:bgFillStyleLst>
     </a:fmtScheme>
   </a:themeElements>
+  <a:objectDefaults/>
+  <a:extraClrSchemeLst/>
   <a:extLst>
     <a:ext uri="{05A4C25C-085E-4340-85A3-A5531E510DB2}">
       <thm15:themeFamily xmlns:thm15="http://schemas.microsoft.com/office/thememl/2012/main" name="Office Theme" id="{62F939B6-93AF-4DB8-9C6B-D6C7DFDC589F}" vid="{4A3C46E8-61CC-4603-A589-7422A47A8E4A}"/>
@@ -6542,6 +6615,8 @@
       </a:bgFillStyleLst>
     </a:fmtScheme>
   </a:themeElements>
+  <a:objectDefaults/>
+  <a:extraClrSchemeLst/>
   <a:extLst>
     <a:ext uri="{05A4C25C-085E-4340-85A3-A5531E510DB2}">
       <thm15:themeFamily xmlns:thm15="http://schemas.microsoft.com/office/thememl/2012/main" name="Office Theme" id="{62F939B6-93AF-4DB8-9C6B-D6C7DFDC589F}" vid="{4A3C46E8-61CC-4603-A589-7422A47A8E4A}"/>
